--- a/Topic A Computer Concepts/Windows Files Introduction.pptx
+++ b/Topic A Computer Concepts/Windows Files Introduction.pptx
@@ -8,10 +8,11 @@
     <p:sldId id="256" r:id="rId2"/>
     <p:sldId id="257" r:id="rId3"/>
     <p:sldId id="258" r:id="rId4"/>
-    <p:sldId id="259" r:id="rId5"/>
-    <p:sldId id="260" r:id="rId6"/>
-    <p:sldId id="261" r:id="rId7"/>
-    <p:sldId id="262" r:id="rId8"/>
+    <p:sldId id="263" r:id="rId5"/>
+    <p:sldId id="259" r:id="rId6"/>
+    <p:sldId id="260" r:id="rId7"/>
+    <p:sldId id="261" r:id="rId8"/>
+    <p:sldId id="262" r:id="rId9"/>
   </p:sldIdLst>
   <p:sldSz cx="9144000" cy="6858000" type="screen4x3"/>
   <p:notesSz cx="6858000" cy="9144000"/>
@@ -110,6 +111,22 @@
       </a:defRPr>
     </a:lvl9pPr>
   </p:defaultTextStyle>
+  <p:extLst>
+    <p:ext uri="{EFAFB233-063F-42B5-8137-9DF3F51BA10A}">
+      <p15:sldGuideLst xmlns:p15="http://schemas.microsoft.com/office/powerpoint/2012/main">
+        <p15:guide id="1" orient="horz" pos="2160">
+          <p15:clr>
+            <a:srgbClr val="A4A3A4"/>
+          </p15:clr>
+        </p15:guide>
+        <p15:guide id="2" pos="2880">
+          <p15:clr>
+            <a:srgbClr val="A4A3A4"/>
+          </p15:clr>
+        </p15:guide>
+      </p15:sldGuideLst>
+    </p:ext>
+  </p:extLst>
 </p:presentation>
 </file>
 
@@ -295,7 +312,7 @@
             <a:fld id="{1D8BD707-D9CF-40AE-B4C6-C98DA3205C09}" type="datetimeFigureOut">
               <a:rPr lang="en-US" smtClean="0"/>
               <a:pPr/>
-              <a:t>12/2/2018</a:t>
+              <a:t>12/3/2018</a:t>
             </a:fld>
             <a:endParaRPr lang="en-US"/>
           </a:p>
@@ -462,7 +479,7 @@
             <a:fld id="{1D8BD707-D9CF-40AE-B4C6-C98DA3205C09}" type="datetimeFigureOut">
               <a:rPr lang="en-US" smtClean="0"/>
               <a:pPr/>
-              <a:t>12/2/2018</a:t>
+              <a:t>12/3/2018</a:t>
             </a:fld>
             <a:endParaRPr lang="en-US"/>
           </a:p>
@@ -639,7 +656,7 @@
             <a:fld id="{1D8BD707-D9CF-40AE-B4C6-C98DA3205C09}" type="datetimeFigureOut">
               <a:rPr lang="en-US" smtClean="0"/>
               <a:pPr/>
-              <a:t>12/2/2018</a:t>
+              <a:t>12/3/2018</a:t>
             </a:fld>
             <a:endParaRPr lang="en-US"/>
           </a:p>
@@ -806,7 +823,7 @@
             <a:fld id="{1D8BD707-D9CF-40AE-B4C6-C98DA3205C09}" type="datetimeFigureOut">
               <a:rPr lang="en-US" smtClean="0"/>
               <a:pPr/>
-              <a:t>12/2/2018</a:t>
+              <a:t>12/3/2018</a:t>
             </a:fld>
             <a:endParaRPr lang="en-US"/>
           </a:p>
@@ -1049,7 +1066,7 @@
             <a:fld id="{1D8BD707-D9CF-40AE-B4C6-C98DA3205C09}" type="datetimeFigureOut">
               <a:rPr lang="en-US" smtClean="0"/>
               <a:pPr/>
-              <a:t>12/2/2018</a:t>
+              <a:t>12/3/2018</a:t>
             </a:fld>
             <a:endParaRPr lang="en-US"/>
           </a:p>
@@ -1334,7 +1351,7 @@
             <a:fld id="{1D8BD707-D9CF-40AE-B4C6-C98DA3205C09}" type="datetimeFigureOut">
               <a:rPr lang="en-US" smtClean="0"/>
               <a:pPr/>
-              <a:t>12/2/2018</a:t>
+              <a:t>12/3/2018</a:t>
             </a:fld>
             <a:endParaRPr lang="en-US"/>
           </a:p>
@@ -1753,7 +1770,7 @@
             <a:fld id="{1D8BD707-D9CF-40AE-B4C6-C98DA3205C09}" type="datetimeFigureOut">
               <a:rPr lang="en-US" smtClean="0"/>
               <a:pPr/>
-              <a:t>12/2/2018</a:t>
+              <a:t>12/3/2018</a:t>
             </a:fld>
             <a:endParaRPr lang="en-US"/>
           </a:p>
@@ -1868,7 +1885,7 @@
             <a:fld id="{1D8BD707-D9CF-40AE-B4C6-C98DA3205C09}" type="datetimeFigureOut">
               <a:rPr lang="en-US" smtClean="0"/>
               <a:pPr/>
-              <a:t>12/2/2018</a:t>
+              <a:t>12/3/2018</a:t>
             </a:fld>
             <a:endParaRPr lang="en-US"/>
           </a:p>
@@ -1960,7 +1977,7 @@
             <a:fld id="{1D8BD707-D9CF-40AE-B4C6-C98DA3205C09}" type="datetimeFigureOut">
               <a:rPr lang="en-US" smtClean="0"/>
               <a:pPr/>
-              <a:t>12/2/2018</a:t>
+              <a:t>12/3/2018</a:t>
             </a:fld>
             <a:endParaRPr lang="en-US"/>
           </a:p>
@@ -2234,7 +2251,7 @@
             <a:fld id="{1D8BD707-D9CF-40AE-B4C6-C98DA3205C09}" type="datetimeFigureOut">
               <a:rPr lang="en-US" smtClean="0"/>
               <a:pPr/>
-              <a:t>12/2/2018</a:t>
+              <a:t>12/3/2018</a:t>
             </a:fld>
             <a:endParaRPr lang="en-US"/>
           </a:p>
@@ -2484,7 +2501,7 @@
             <a:fld id="{1D8BD707-D9CF-40AE-B4C6-C98DA3205C09}" type="datetimeFigureOut">
               <a:rPr lang="en-US" smtClean="0"/>
               <a:pPr/>
-              <a:t>12/2/2018</a:t>
+              <a:t>12/3/2018</a:t>
             </a:fld>
             <a:endParaRPr lang="en-US"/>
           </a:p>
@@ -2694,7 +2711,7 @@
             <a:fld id="{1D8BD707-D9CF-40AE-B4C6-C98DA3205C09}" type="datetimeFigureOut">
               <a:rPr lang="en-US" smtClean="0"/>
               <a:pPr/>
-              <a:t>12/2/2018</a:t>
+              <a:t>12/3/2018</a:t>
             </a:fld>
             <a:endParaRPr lang="en-US"/>
           </a:p>
@@ -3122,6 +3139,13 @@
   <p:clrMapOvr>
     <a:masterClrMapping/>
   </p:clrMapOvr>
+  <p:timing>
+    <p:tnLst>
+      <p:par>
+        <p:cTn id="1" dur="indefinite" restart="never" nodeType="tmRoot"/>
+      </p:par>
+    </p:tnLst>
+  </p:timing>
 </p:sld>
 </file>
 
@@ -3267,11 +3291,7 @@
             </a:pPr>
             <a:r>
               <a:rPr lang="en-US" dirty="0" smtClean="0"/>
-              <a:t> </a:t>
-            </a:r>
-            <a:r>
-              <a:rPr lang="en-US" dirty="0" smtClean="0"/>
-              <a:t>Should reflect the purpose</a:t>
+              <a:t> Should reflect the purpose</a:t>
             </a:r>
             <a:br>
               <a:rPr lang="en-US" dirty="0" smtClean="0"/>
@@ -3288,11 +3308,7 @@
             </a:pPr>
             <a:r>
               <a:rPr lang="en-US" dirty="0" smtClean="0"/>
-              <a:t> </a:t>
-            </a:r>
-            <a:r>
-              <a:rPr lang="en-US" dirty="0" smtClean="0"/>
-              <a:t>May be any string</a:t>
+              <a:t> May be any string</a:t>
             </a:r>
           </a:p>
           <a:p>
@@ -3302,11 +3318,7 @@
             </a:pPr>
             <a:r>
               <a:rPr lang="en-US" dirty="0" smtClean="0"/>
-              <a:t> </a:t>
-            </a:r>
-            <a:r>
-              <a:rPr lang="en-US" dirty="0" smtClean="0"/>
-              <a:t>Some limitations on </a:t>
+              <a:t> Some limitations on </a:t>
             </a:r>
             <a:br>
               <a:rPr lang="en-US" dirty="0" smtClean="0"/>
@@ -3410,11 +3422,7 @@
             </a:pPr>
             <a:r>
               <a:rPr lang="en-US" dirty="0" smtClean="0"/>
-              <a:t> </a:t>
-            </a:r>
-            <a:r>
-              <a:rPr lang="en-US" dirty="0" smtClean="0"/>
-              <a:t>Application and </a:t>
+              <a:t> Application and </a:t>
             </a:r>
             <a:br>
               <a:rPr lang="en-US" dirty="0" smtClean="0"/>
@@ -3431,11 +3439,7 @@
             </a:pPr>
             <a:r>
               <a:rPr lang="en-US" dirty="0" smtClean="0"/>
-              <a:t> </a:t>
-            </a:r>
-            <a:r>
-              <a:rPr lang="en-US" dirty="0" smtClean="0"/>
-              <a:t>Usually 3 or 4 characters</a:t>
+              <a:t> Usually 3 or 4 characters</a:t>
             </a:r>
           </a:p>
           <a:p>
@@ -3445,11 +3449,7 @@
             </a:pPr>
             <a:r>
               <a:rPr lang="en-US" dirty="0" smtClean="0"/>
-              <a:t> </a:t>
-            </a:r>
-            <a:r>
-              <a:rPr lang="en-US" dirty="0" smtClean="0"/>
-              <a:t>Identifies the application</a:t>
+              <a:t> Identifies the application</a:t>
             </a:r>
             <a:br>
               <a:rPr lang="en-US" dirty="0" smtClean="0"/>
@@ -3592,6 +3592,13 @@
   <p:clrMapOvr>
     <a:masterClrMapping/>
   </p:clrMapOvr>
+  <p:timing>
+    <p:tnLst>
+      <p:par>
+        <p:cTn id="1" dur="indefinite" restart="never" nodeType="tmRoot"/>
+      </p:par>
+    </p:tnLst>
+  </p:timing>
 </p:sld>
 </file>
 
@@ -3635,11 +3642,42 @@
           </a:p>
         </p:txBody>
       </p:sp>
+      <p:pic>
+        <p:nvPicPr>
+          <p:cNvPr id="5" name="Picture 4"/>
+          <p:cNvPicPr>
+            <a:picLocks noChangeAspect="1"/>
+          </p:cNvPicPr>
+          <p:nvPr/>
+        </p:nvPicPr>
+        <p:blipFill>
+          <a:blip r:embed="rId2"/>
+          <a:stretch>
+            <a:fillRect/>
+          </a:stretch>
+        </p:blipFill>
+        <p:spPr>
+          <a:xfrm>
+            <a:off x="962025" y="1417638"/>
+            <a:ext cx="7219950" cy="5019675"/>
+          </a:xfrm>
+          <a:prstGeom prst="rect">
+            <a:avLst/>
+          </a:prstGeom>
+        </p:spPr>
+      </p:pic>
     </p:spTree>
   </p:cSld>
   <p:clrMapOvr>
     <a:masterClrMapping/>
   </p:clrMapOvr>
+  <p:timing>
+    <p:tnLst>
+      <p:par>
+        <p:cTn id="1" dur="indefinite" restart="never" nodeType="tmRoot"/>
+      </p:par>
+    </p:tnLst>
+  </p:timing>
 </p:sld>
 </file>
 
@@ -3672,20 +3710,289 @@
         </p:nvSpPr>
         <p:spPr/>
         <p:txBody>
+          <a:bodyPr>
+            <a:normAutofit fontScale="90000"/>
+          </a:bodyPr>
+          <a:lstStyle/>
+          <a:p>
+            <a:r>
+              <a:rPr lang="en-CA" dirty="0" smtClean="0"/>
+              <a:t>Opening a Text File</a:t>
+            </a:r>
+            <a:br>
+              <a:rPr lang="en-CA" dirty="0" smtClean="0"/>
+            </a:br>
+            <a:r>
+              <a:rPr lang="en-CA" sz="3100" dirty="0" smtClean="0"/>
+              <a:t>(When Right-Click does not work)</a:t>
+            </a:r>
+            <a:endParaRPr lang="en-US" dirty="0"/>
+          </a:p>
+        </p:txBody>
+      </p:sp>
+      <p:pic>
+        <p:nvPicPr>
+          <p:cNvPr id="3" name="Picture 2"/>
+          <p:cNvPicPr>
+            <a:picLocks noChangeAspect="1"/>
+          </p:cNvPicPr>
+          <p:nvPr/>
+        </p:nvPicPr>
+        <p:blipFill>
+          <a:blip r:embed="rId2"/>
+          <a:stretch>
+            <a:fillRect/>
+          </a:stretch>
+        </p:blipFill>
+        <p:spPr>
+          <a:xfrm>
+            <a:off x="491412" y="3048000"/>
+            <a:ext cx="3733800" cy="3200400"/>
+          </a:xfrm>
+          <a:prstGeom prst="rect">
+            <a:avLst/>
+          </a:prstGeom>
+        </p:spPr>
+      </p:pic>
+      <p:pic>
+        <p:nvPicPr>
+          <p:cNvPr id="6" name="Picture 5"/>
+          <p:cNvPicPr>
+            <a:picLocks noChangeAspect="1"/>
+          </p:cNvPicPr>
+          <p:nvPr/>
+        </p:nvPicPr>
+        <p:blipFill>
+          <a:blip r:embed="rId3"/>
+          <a:stretch>
+            <a:fillRect/>
+          </a:stretch>
+        </p:blipFill>
+        <p:spPr>
+          <a:xfrm>
+            <a:off x="4742867" y="2133600"/>
+            <a:ext cx="3971925" cy="3157538"/>
+          </a:xfrm>
+          <a:prstGeom prst="rect">
+            <a:avLst/>
+          </a:prstGeom>
+        </p:spPr>
+      </p:pic>
+      <p:sp>
+        <p:nvSpPr>
+          <p:cNvPr id="7" name="TextBox 6"/>
+          <p:cNvSpPr txBox="1"/>
+          <p:nvPr/>
+        </p:nvSpPr>
+        <p:spPr>
+          <a:xfrm>
+            <a:off x="1143000" y="2209800"/>
+            <a:ext cx="2056397" cy="461665"/>
+          </a:xfrm>
+          <a:prstGeom prst="rect">
+            <a:avLst/>
+          </a:prstGeom>
+          <a:noFill/>
+        </p:spPr>
+        <p:txBody>
+          <a:bodyPr wrap="none" rtlCol="0">
+            <a:spAutoFit/>
+          </a:bodyPr>
+          <a:lstStyle/>
+          <a:p>
+            <a:r>
+              <a:rPr lang="en-CA" sz="2400" b="1" dirty="0" smtClean="0">
+                <a:solidFill>
+                  <a:srgbClr val="FF0000"/>
+                </a:solidFill>
+              </a:rPr>
+              <a:t>Open Notepad</a:t>
+            </a:r>
+            <a:endParaRPr lang="en-US" sz="2400" b="1" dirty="0">
+              <a:solidFill>
+                <a:srgbClr val="FF0000"/>
+              </a:solidFill>
+            </a:endParaRPr>
+          </a:p>
+        </p:txBody>
+      </p:sp>
+      <p:sp>
+        <p:nvSpPr>
+          <p:cNvPr id="8" name="TextBox 7"/>
+          <p:cNvSpPr txBox="1"/>
+          <p:nvPr/>
+        </p:nvSpPr>
+        <p:spPr>
+          <a:xfrm>
+            <a:off x="5257800" y="5562600"/>
+            <a:ext cx="2794355" cy="830997"/>
+          </a:xfrm>
+          <a:prstGeom prst="rect">
+            <a:avLst/>
+          </a:prstGeom>
+          <a:noFill/>
+        </p:spPr>
+        <p:txBody>
+          <a:bodyPr wrap="none" rtlCol="0">
+            <a:spAutoFit/>
+          </a:bodyPr>
+          <a:lstStyle/>
+          <a:p>
+            <a:r>
+              <a:rPr lang="en-CA" sz="2000" b="1" dirty="0" smtClean="0">
+                <a:solidFill>
+                  <a:srgbClr val="FF0000"/>
+                </a:solidFill>
+              </a:rPr>
+              <a:t>Use File =&gt; Save As…</a:t>
+            </a:r>
+          </a:p>
+          <a:p>
+            <a:r>
+              <a:rPr lang="en-CA" sz="1400" dirty="0" smtClean="0"/>
+              <a:t>(Note: Remember the folder where </a:t>
+            </a:r>
+            <a:br>
+              <a:rPr lang="en-CA" sz="1400" dirty="0" smtClean="0"/>
+            </a:br>
+            <a:r>
+              <a:rPr lang="en-CA" sz="1400" dirty="0" smtClean="0"/>
+              <a:t>you saved the file!)</a:t>
+            </a:r>
+            <a:endParaRPr lang="en-US" sz="1400" dirty="0"/>
+          </a:p>
+        </p:txBody>
+      </p:sp>
+      <p:sp>
+        <p:nvSpPr>
+          <p:cNvPr id="9" name="Oval 8"/>
+          <p:cNvSpPr/>
+          <p:nvPr/>
+        </p:nvSpPr>
+        <p:spPr>
+          <a:xfrm>
+            <a:off x="1295400" y="4419600"/>
+            <a:ext cx="533400" cy="533400"/>
+          </a:xfrm>
+          <a:prstGeom prst="ellipse">
+            <a:avLst/>
+          </a:prstGeom>
+          <a:noFill/>
+          <a:ln w="12700">
+            <a:solidFill>
+              <a:srgbClr val="FF0000"/>
+            </a:solidFill>
+          </a:ln>
+        </p:spPr>
+        <p:style>
+          <a:lnRef idx="2">
+            <a:schemeClr val="accent1">
+              <a:shade val="50000"/>
+            </a:schemeClr>
+          </a:lnRef>
+          <a:fillRef idx="1">
+            <a:schemeClr val="accent1"/>
+          </a:fillRef>
+          <a:effectRef idx="0">
+            <a:schemeClr val="accent1"/>
+          </a:effectRef>
+          <a:fontRef idx="minor">
+            <a:schemeClr val="lt1"/>
+          </a:fontRef>
+        </p:style>
+        <p:txBody>
+          <a:bodyPr rtlCol="0" anchor="ctr"/>
+          <a:lstStyle/>
+          <a:p>
+            <a:pPr algn="ctr"/>
+            <a:endParaRPr lang="en-US"/>
+          </a:p>
+        </p:txBody>
+      </p:sp>
+      <p:cxnSp>
+        <p:nvCxnSpPr>
+          <p:cNvPr id="11" name="Straight Arrow Connector 10"/>
+          <p:cNvCxnSpPr/>
+          <p:nvPr/>
+        </p:nvCxnSpPr>
+        <p:spPr>
+          <a:xfrm flipH="1" flipV="1">
+            <a:off x="5486400" y="3124200"/>
+            <a:ext cx="228600" cy="2438400"/>
+          </a:xfrm>
+          <a:prstGeom prst="straightConnector1">
+            <a:avLst/>
+          </a:prstGeom>
+          <a:ln>
+            <a:solidFill>
+              <a:srgbClr val="FF0000"/>
+            </a:solidFill>
+            <a:tailEnd type="triangle"/>
+          </a:ln>
+        </p:spPr>
+        <p:style>
+          <a:lnRef idx="1">
+            <a:schemeClr val="accent1"/>
+          </a:lnRef>
+          <a:fillRef idx="0">
+            <a:schemeClr val="accent1"/>
+          </a:fillRef>
+          <a:effectRef idx="0">
+            <a:schemeClr val="accent1"/>
+          </a:effectRef>
+          <a:fontRef idx="minor">
+            <a:schemeClr val="tx1"/>
+          </a:fontRef>
+        </p:style>
+      </p:cxnSp>
+    </p:spTree>
+    <p:extLst>
+      <p:ext uri="{BB962C8B-B14F-4D97-AF65-F5344CB8AC3E}">
+        <p14:creationId xmlns:p14="http://schemas.microsoft.com/office/powerpoint/2010/main" val="2045744944"/>
+      </p:ext>
+    </p:extLst>
+  </p:cSld>
+  <p:clrMapOvr>
+    <a:masterClrMapping/>
+  </p:clrMapOvr>
+</p:sld>
+</file>
+
+<file path=ppt/slides/slide5.xml><?xml version="1.0" encoding="utf-8"?>
+<p:sld xmlns:a="http://schemas.openxmlformats.org/drawingml/2006/main" xmlns:r="http://schemas.openxmlformats.org/officeDocument/2006/relationships" xmlns:p="http://schemas.openxmlformats.org/presentationml/2006/main">
+  <p:cSld>
+    <p:spTree>
+      <p:nvGrpSpPr>
+        <p:cNvPr id="1" name=""/>
+        <p:cNvGrpSpPr/>
+        <p:nvPr/>
+      </p:nvGrpSpPr>
+      <p:grpSpPr>
+        <a:xfrm>
+          <a:off x="0" y="0"/>
+          <a:ext cx="0" cy="0"/>
+          <a:chOff x="0" y="0"/>
+          <a:chExt cx="0" cy="0"/>
+        </a:xfrm>
+      </p:grpSpPr>
+      <p:sp>
+        <p:nvSpPr>
+          <p:cNvPr id="2" name="Title 1"/>
+          <p:cNvSpPr>
+            <a:spLocks noGrp="1"/>
+          </p:cNvSpPr>
+          <p:nvPr>
+            <p:ph type="title"/>
+          </p:nvPr>
+        </p:nvSpPr>
+        <p:spPr/>
+        <p:txBody>
           <a:bodyPr/>
           <a:lstStyle/>
           <a:p>
             <a:r>
               <a:rPr lang="en-US" dirty="0" smtClean="0"/>
-              <a:t>Windows File </a:t>
-            </a:r>
-            <a:r>
-              <a:rPr lang="en-US" dirty="0" smtClean="0"/>
-              <a:t>Path </a:t>
-            </a:r>
-            <a:r>
-              <a:rPr lang="en-US" dirty="0" smtClean="0"/>
-              <a:t>Format</a:t>
+              <a:t>Windows File Path Format</a:t>
             </a:r>
             <a:endParaRPr lang="en-US" dirty="0"/>
           </a:p>
@@ -3802,11 +4109,7 @@
             </a:pPr>
             <a:r>
               <a:rPr lang="en-US" dirty="0" smtClean="0"/>
-              <a:t> </a:t>
-            </a:r>
-            <a:r>
-              <a:rPr lang="en-US" dirty="0" smtClean="0"/>
-              <a:t>May be any  letter A to Z</a:t>
+              <a:t> May be any  letter A to Z</a:t>
             </a:r>
           </a:p>
           <a:p>
@@ -3816,11 +4119,7 @@
             </a:pPr>
             <a:r>
               <a:rPr lang="en-US" dirty="0" smtClean="0"/>
-              <a:t> </a:t>
-            </a:r>
-            <a:r>
-              <a:rPr lang="en-US" dirty="0" smtClean="0"/>
-              <a:t>Always includes “:\”</a:t>
+              <a:t> Always includes “:\”</a:t>
             </a:r>
             <a:endParaRPr lang="en-US" dirty="0"/>
           </a:p>
@@ -3910,11 +4209,7 @@
             </a:pPr>
             <a:r>
               <a:rPr lang="en-US" dirty="0" smtClean="0"/>
-              <a:t> </a:t>
-            </a:r>
-            <a:r>
-              <a:rPr lang="en-US" dirty="0" smtClean="0"/>
-              <a:t>Should reflect the purpose</a:t>
+              <a:t> Should reflect the purpose</a:t>
             </a:r>
             <a:br>
               <a:rPr lang="en-US" dirty="0" smtClean="0"/>
@@ -3931,11 +4226,7 @@
             </a:pPr>
             <a:r>
               <a:rPr lang="en-US" dirty="0" smtClean="0"/>
-              <a:t> </a:t>
-            </a:r>
-            <a:r>
-              <a:rPr lang="en-US" dirty="0" smtClean="0"/>
-              <a:t>May be any string</a:t>
+              <a:t> May be any string</a:t>
             </a:r>
           </a:p>
           <a:p>
@@ -3945,11 +4236,7 @@
             </a:pPr>
             <a:r>
               <a:rPr lang="en-US" dirty="0" smtClean="0"/>
-              <a:t> </a:t>
-            </a:r>
-            <a:r>
-              <a:rPr lang="en-US" dirty="0" smtClean="0"/>
-              <a:t>Some limitations on </a:t>
+              <a:t> Some limitations on </a:t>
             </a:r>
             <a:br>
               <a:rPr lang="en-US" dirty="0" smtClean="0"/>
@@ -3966,11 +4253,7 @@
             </a:pPr>
             <a:r>
               <a:rPr lang="en-US" dirty="0" smtClean="0"/>
-              <a:t> </a:t>
-            </a:r>
-            <a:r>
-              <a:rPr lang="en-US" dirty="0" smtClean="0"/>
-              <a:t>NOTE: Multiple Folders may</a:t>
+              <a:t> NOTE: Multiple Folders may</a:t>
             </a:r>
             <a:br>
               <a:rPr lang="en-US" dirty="0" smtClean="0"/>
@@ -3987,11 +4270,7 @@
             </a:pPr>
             <a:r>
               <a:rPr lang="en-US" dirty="0" smtClean="0"/>
-              <a:t> </a:t>
-            </a:r>
-            <a:r>
-              <a:rPr lang="en-US" dirty="0" smtClean="0"/>
-              <a:t>Folders are separated by “\” </a:t>
+              <a:t> Folders are separated by “\” </a:t>
             </a:r>
             <a:br>
               <a:rPr lang="en-US" dirty="0" smtClean="0"/>
@@ -4073,11 +4352,7 @@
             </a:pPr>
             <a:r>
               <a:rPr lang="en-US" dirty="0" smtClean="0"/>
-              <a:t> </a:t>
-            </a:r>
-            <a:r>
-              <a:rPr lang="en-US" dirty="0" smtClean="0"/>
-              <a:t>See previous</a:t>
+              <a:t> See previous</a:t>
             </a:r>
             <a:br>
               <a:rPr lang="en-US" dirty="0" smtClean="0"/>
@@ -4137,63 +4412,13 @@
   <p:clrMapOvr>
     <a:masterClrMapping/>
   </p:clrMapOvr>
-</p:sld>
-</file>
-
-<file path=ppt/slides/slide5.xml><?xml version="1.0" encoding="utf-8"?>
-<p:sld xmlns:a="http://schemas.openxmlformats.org/drawingml/2006/main" xmlns:r="http://schemas.openxmlformats.org/officeDocument/2006/relationships" xmlns:p="http://schemas.openxmlformats.org/presentationml/2006/main">
-  <p:cSld>
-    <p:spTree>
-      <p:nvGrpSpPr>
-        <p:cNvPr id="1" name=""/>
-        <p:cNvGrpSpPr/>
-        <p:nvPr/>
-      </p:nvGrpSpPr>
-      <p:grpSpPr>
-        <a:xfrm>
-          <a:off x="0" y="0"/>
-          <a:ext cx="0" cy="0"/>
-          <a:chOff x="0" y="0"/>
-          <a:chExt cx="0" cy="0"/>
-        </a:xfrm>
-      </p:grpSpPr>
-      <p:sp>
-        <p:nvSpPr>
-          <p:cNvPr id="2" name="Title 1"/>
-          <p:cNvSpPr>
-            <a:spLocks noGrp="1"/>
-          </p:cNvSpPr>
-          <p:nvPr>
-            <p:ph type="title"/>
-          </p:nvPr>
-        </p:nvSpPr>
-        <p:spPr/>
-        <p:txBody>
-          <a:bodyPr>
-            <a:normAutofit fontScale="90000"/>
-          </a:bodyPr>
-          <a:lstStyle/>
-          <a:p>
-            <a:r>
-              <a:rPr lang="en-US" dirty="0" smtClean="0"/>
-              <a:t>Attached Disks &amp; Devices</a:t>
-            </a:r>
-            <a:br>
-              <a:rPr lang="en-US" dirty="0" smtClean="0"/>
-            </a:br>
-            <a:r>
-              <a:rPr lang="en-US" sz="3600" dirty="0" smtClean="0"/>
-              <a:t>(Using Windows File Explorer)</a:t>
-            </a:r>
-            <a:endParaRPr lang="en-US" sz="3600" dirty="0"/>
-          </a:p>
-        </p:txBody>
-      </p:sp>
-    </p:spTree>
-  </p:cSld>
-  <p:clrMapOvr>
-    <a:masterClrMapping/>
-  </p:clrMapOvr>
+  <p:timing>
+    <p:tnLst>
+      <p:par>
+        <p:cTn id="1" dur="indefinite" restart="never" nodeType="tmRoot"/>
+      </p:par>
+    </p:tnLst>
+  </p:timing>
 </p:sld>
 </file>
 
@@ -4226,16 +4451,262 @@
         </p:nvSpPr>
         <p:spPr/>
         <p:txBody>
-          <a:bodyPr/>
+          <a:bodyPr>
+            <a:normAutofit fontScale="90000"/>
+          </a:bodyPr>
           <a:lstStyle/>
           <a:p>
             <a:r>
               <a:rPr lang="en-US" dirty="0" smtClean="0"/>
-              <a:t>Windows </a:t>
-            </a:r>
-            <a:r>
+              <a:t>Attached Disks &amp; Devices</a:t>
+            </a:r>
+            <a:br>
               <a:rPr lang="en-US" dirty="0" smtClean="0"/>
-              <a:t>Disk Partitions</a:t>
+            </a:br>
+            <a:r>
+              <a:rPr lang="en-US" sz="3600" dirty="0" smtClean="0"/>
+              <a:t>(Using Windows File Explorer)</a:t>
+            </a:r>
+            <a:endParaRPr lang="en-US" sz="3600" dirty="0"/>
+          </a:p>
+        </p:txBody>
+      </p:sp>
+      <p:pic>
+        <p:nvPicPr>
+          <p:cNvPr id="3" name="Picture 2"/>
+          <p:cNvPicPr>
+            <a:picLocks noChangeAspect="1"/>
+          </p:cNvPicPr>
+          <p:nvPr/>
+        </p:nvPicPr>
+        <p:blipFill>
+          <a:blip r:embed="rId2"/>
+          <a:stretch>
+            <a:fillRect/>
+          </a:stretch>
+        </p:blipFill>
+        <p:spPr>
+          <a:xfrm>
+            <a:off x="304800" y="1574263"/>
+            <a:ext cx="5772150" cy="5283737"/>
+          </a:xfrm>
+          <a:prstGeom prst="rect">
+            <a:avLst/>
+          </a:prstGeom>
+        </p:spPr>
+      </p:pic>
+      <p:sp>
+        <p:nvSpPr>
+          <p:cNvPr id="4" name="TextBox 3"/>
+          <p:cNvSpPr txBox="1"/>
+          <p:nvPr/>
+        </p:nvSpPr>
+        <p:spPr>
+          <a:xfrm>
+            <a:off x="3124200" y="4648200"/>
+            <a:ext cx="4689682" cy="1631216"/>
+          </a:xfrm>
+          <a:prstGeom prst="rect">
+            <a:avLst/>
+          </a:prstGeom>
+          <a:noFill/>
+        </p:spPr>
+        <p:txBody>
+          <a:bodyPr wrap="none" rtlCol="0">
+            <a:spAutoFit/>
+          </a:bodyPr>
+          <a:lstStyle/>
+          <a:p>
+            <a:r>
+              <a:rPr lang="en-CA" sz="1600" b="1" dirty="0" smtClean="0">
+                <a:solidFill>
+                  <a:srgbClr val="FF0000"/>
+                </a:solidFill>
+              </a:rPr>
+              <a:t>All disks and attached file devices are listed here.</a:t>
+            </a:r>
+          </a:p>
+          <a:p>
+            <a:pPr marL="285750" indent="-285750">
+              <a:buFont typeface="Arial" panose="020B0604020202020204" pitchFamily="34" charset="0"/>
+              <a:buChar char="•"/>
+            </a:pPr>
+            <a:r>
+              <a:rPr lang="en-CA" sz="1400" b="1" dirty="0" smtClean="0">
+                <a:solidFill>
+                  <a:srgbClr val="FF0000"/>
+                </a:solidFill>
+              </a:rPr>
+              <a:t>Disks C  and V are HDD disks attached directly </a:t>
+            </a:r>
+            <a:br>
+              <a:rPr lang="en-CA" sz="1400" b="1" dirty="0" smtClean="0">
+                <a:solidFill>
+                  <a:srgbClr val="FF0000"/>
+                </a:solidFill>
+              </a:rPr>
+            </a:br>
+            <a:r>
+              <a:rPr lang="en-CA" sz="1400" b="1" dirty="0" smtClean="0">
+                <a:solidFill>
+                  <a:srgbClr val="FF0000"/>
+                </a:solidFill>
+              </a:rPr>
+              <a:t>to the computer</a:t>
+            </a:r>
+          </a:p>
+          <a:p>
+            <a:pPr marL="285750" indent="-285750">
+              <a:buFont typeface="Arial" panose="020B0604020202020204" pitchFamily="34" charset="0"/>
+              <a:buChar char="•"/>
+            </a:pPr>
+            <a:r>
+              <a:rPr lang="en-CA" sz="1400" b="1" dirty="0" smtClean="0">
+                <a:solidFill>
+                  <a:srgbClr val="FF0000"/>
+                </a:solidFill>
+              </a:rPr>
+              <a:t>Disk E is a USB memory stick</a:t>
+            </a:r>
+          </a:p>
+          <a:p>
+            <a:pPr marL="285750" indent="-285750">
+              <a:buFont typeface="Arial" panose="020B0604020202020204" pitchFamily="34" charset="0"/>
+              <a:buChar char="•"/>
+            </a:pPr>
+            <a:r>
+              <a:rPr lang="en-CA" sz="1400" b="1" dirty="0" smtClean="0">
+                <a:solidFill>
+                  <a:srgbClr val="FF0000"/>
+                </a:solidFill>
+              </a:rPr>
+              <a:t>The other disks are attached through the school network</a:t>
+            </a:r>
+          </a:p>
+          <a:p>
+            <a:pPr marL="742950" lvl="1" indent="-285750">
+              <a:buFont typeface="Arial" panose="020B0604020202020204" pitchFamily="34" charset="0"/>
+              <a:buChar char="•"/>
+            </a:pPr>
+            <a:r>
+              <a:rPr lang="en-CA" sz="1400" b="1" dirty="0" smtClean="0">
+                <a:solidFill>
+                  <a:srgbClr val="FF0000"/>
+                </a:solidFill>
+              </a:rPr>
+              <a:t>The network path is shown in the file name</a:t>
+            </a:r>
+          </a:p>
+          <a:p>
+            <a:pPr marL="742950" lvl="1" indent="-285750">
+              <a:buFont typeface="Arial" panose="020B0604020202020204" pitchFamily="34" charset="0"/>
+              <a:buChar char="•"/>
+            </a:pPr>
+            <a:r>
+              <a:rPr lang="en-CA" sz="1400" b="1" dirty="0" smtClean="0">
+                <a:solidFill>
+                  <a:srgbClr val="FF0000"/>
+                </a:solidFill>
+              </a:rPr>
+              <a:t>LASS is school number 2642</a:t>
+            </a:r>
+            <a:endParaRPr lang="en-US" sz="1400" b="1" dirty="0">
+              <a:solidFill>
+                <a:srgbClr val="FF0000"/>
+              </a:solidFill>
+            </a:endParaRPr>
+          </a:p>
+        </p:txBody>
+      </p:sp>
+      <p:sp>
+        <p:nvSpPr>
+          <p:cNvPr id="5" name="Oval 4"/>
+          <p:cNvSpPr/>
+          <p:nvPr/>
+        </p:nvSpPr>
+        <p:spPr>
+          <a:xfrm>
+            <a:off x="152400" y="3886200"/>
+            <a:ext cx="2895600" cy="1981200"/>
+          </a:xfrm>
+          <a:prstGeom prst="ellipse">
+            <a:avLst/>
+          </a:prstGeom>
+          <a:noFill/>
+          <a:ln w="12700">
+            <a:solidFill>
+              <a:srgbClr val="FF0000"/>
+            </a:solidFill>
+          </a:ln>
+        </p:spPr>
+        <p:style>
+          <a:lnRef idx="2">
+            <a:schemeClr val="accent1">
+              <a:shade val="50000"/>
+            </a:schemeClr>
+          </a:lnRef>
+          <a:fillRef idx="1">
+            <a:schemeClr val="accent1"/>
+          </a:fillRef>
+          <a:effectRef idx="0">
+            <a:schemeClr val="accent1"/>
+          </a:effectRef>
+          <a:fontRef idx="minor">
+            <a:schemeClr val="lt1"/>
+          </a:fontRef>
+        </p:style>
+        <p:txBody>
+          <a:bodyPr rtlCol="0" anchor="ctr"/>
+          <a:lstStyle/>
+          <a:p>
+            <a:pPr algn="ctr"/>
+            <a:endParaRPr lang="en-US"/>
+          </a:p>
+        </p:txBody>
+      </p:sp>
+    </p:spTree>
+  </p:cSld>
+  <p:clrMapOvr>
+    <a:masterClrMapping/>
+  </p:clrMapOvr>
+</p:sld>
+</file>
+
+<file path=ppt/slides/slide7.xml><?xml version="1.0" encoding="utf-8"?>
+<p:sld xmlns:a="http://schemas.openxmlformats.org/drawingml/2006/main" xmlns:r="http://schemas.openxmlformats.org/officeDocument/2006/relationships" xmlns:p="http://schemas.openxmlformats.org/presentationml/2006/main">
+  <p:cSld>
+    <p:spTree>
+      <p:nvGrpSpPr>
+        <p:cNvPr id="1" name=""/>
+        <p:cNvGrpSpPr/>
+        <p:nvPr/>
+      </p:nvGrpSpPr>
+      <p:grpSpPr>
+        <a:xfrm>
+          <a:off x="0" y="0"/>
+          <a:ext cx="0" cy="0"/>
+          <a:chOff x="0" y="0"/>
+          <a:chExt cx="0" cy="0"/>
+        </a:xfrm>
+      </p:grpSpPr>
+      <p:sp>
+        <p:nvSpPr>
+          <p:cNvPr id="2" name="Title 1"/>
+          <p:cNvSpPr>
+            <a:spLocks noGrp="1"/>
+          </p:cNvSpPr>
+          <p:nvPr>
+            <p:ph type="title"/>
+          </p:nvPr>
+        </p:nvSpPr>
+        <p:spPr/>
+        <p:txBody>
+          <a:bodyPr/>
+          <a:lstStyle/>
+          <a:p>
+            <a:r>
+              <a:rPr lang="en-US" dirty="0" smtClean="0"/>
+              <a:t>Windows Disk Partitions</a:t>
             </a:r>
             <a:endParaRPr lang="en-US" dirty="0"/>
           </a:p>
@@ -4414,7 +4885,7 @@
 </p:sld>
 </file>
 
-<file path=ppt/slides/slide7.xml><?xml version="1.0" encoding="utf-8"?>
+<file path=ppt/slides/slide8.xml><?xml version="1.0" encoding="utf-8"?>
 <p:sld xmlns:a="http://schemas.openxmlformats.org/drawingml/2006/main" xmlns:r="http://schemas.openxmlformats.org/officeDocument/2006/relationships" xmlns:p="http://schemas.openxmlformats.org/presentationml/2006/main">
   <p:cSld>
     <p:spTree>
@@ -4448,11 +4919,7 @@
           <a:p>
             <a:r>
               <a:rPr lang="en-US" dirty="0" smtClean="0"/>
-              <a:t>Windows </a:t>
-            </a:r>
-            <a:r>
-              <a:rPr lang="en-US" dirty="0" smtClean="0"/>
-              <a:t>Disk Partitions</a:t>
+              <a:t>Windows Disk Partitions</a:t>
             </a:r>
             <a:endParaRPr lang="en-US" dirty="0"/>
           </a:p>
@@ -4496,11 +4963,7 @@
             <a:pPr lvl="1"/>
             <a:r>
               <a:rPr lang="en-US" sz="1600" dirty="0" smtClean="0"/>
-              <a:t>Separation of user data from system and application </a:t>
-            </a:r>
-            <a:r>
-              <a:rPr lang="en-US" sz="1600" dirty="0" smtClean="0"/>
-              <a:t>files to ensure that users are prevented from using too much memory that could impact system performance.</a:t>
+              <a:t>Separation of user data from system and application files to ensure that users are prevented from using too much memory that could impact system performance.</a:t>
             </a:r>
           </a:p>
           <a:p>
